--- a/Instructor-Led/Module3/Lessons/Module3_Lesson6 Developing iOS Apps with Xamarin.pptx
+++ b/Instructor-Led/Module3/Lessons/Module3_Lesson6 Developing iOS Apps with Xamarin.pptx
@@ -147,7 +147,7 @@
   </p:defaultTextStyle>
   <p:extLst>
     <p:ext uri="{EFAFB233-063F-42B5-8137-9DF3F51BA10A}">
-      <p15:sldGuideLst xmlns="" xmlns:p15="http://schemas.microsoft.com/office/powerpoint/2012/main">
+      <p15:sldGuideLst xmlns:p15="http://schemas.microsoft.com/office/powerpoint/2012/main" xmlns="">
         <p15:guide id="1" orient="horz" pos="2160">
           <p15:clr>
             <a:srgbClr val="A4A3A4"/>
@@ -256,7 +256,7 @@
             <a:fld id="{49B60EF2-7028-489F-85D8-FE86CD7CF2A0}" type="datetimeFigureOut">
               <a:rPr lang="en-US" smtClean="0"/>
               <a:pPr/>
-              <a:t>6/16/16</a:t>
+              <a:t>6/28/16</a:t>
             </a:fld>
             <a:endParaRPr lang="en-US"/>
           </a:p>
@@ -765,6 +765,29 @@
           <a:bodyPr/>
           <a:lstStyle/>
           <a:p>
+            <a:pPr marL="0" marR="0" lvl="0" indent="0" algn="l" defTabSz="914400" rtl="0" eaLnBrk="1" fontAlgn="auto" latinLnBrk="0" hangingPunct="1">
+              <a:lnSpc>
+                <a:spcPct val="100000"/>
+              </a:lnSpc>
+              <a:spcBef>
+                <a:spcPts val="0"/>
+              </a:spcBef>
+              <a:spcAft>
+                <a:spcPts val="0"/>
+              </a:spcAft>
+              <a:buClrTx/>
+              <a:buSzTx/>
+              <a:buFont typeface="Arial" panose="020B0604020202020204" pitchFamily="34" charset="0"/>
+              <a:buNone/>
+              <a:tabLst/>
+              <a:defRPr/>
+            </a:pPr>
+            <a:r>
+              <a:rPr lang="en-US" b="1" dirty="0" smtClean="0"/>
+              <a:t>Notes:</a:t>
+            </a:r>
+          </a:p>
+          <a:p>
             <a:pPr marL="171450" marR="0" lvl="0" indent="-171450" algn="l" defTabSz="914400" rtl="0" eaLnBrk="1" fontAlgn="auto" latinLnBrk="0" hangingPunct="1">
               <a:lnSpc>
                 <a:spcPct val="100000"/>
@@ -782,6 +805,18 @@
               <a:tabLst/>
               <a:defRPr/>
             </a:pPr>
+            <a:r>
+              <a:rPr lang="en-US" dirty="0" smtClean="0"/>
+              <a:t>No</a:t>
+            </a:r>
+            <a:r>
+              <a:rPr lang="en-US" baseline="0" dirty="0" smtClean="0"/>
+              <a:t> interaction with UI when app is </a:t>
+            </a:r>
+            <a:r>
+              <a:rPr lang="en-US" baseline="0" dirty="0" err="1" smtClean="0"/>
+              <a:t>backgrounded</a:t>
+            </a:r>
             <a:endParaRPr lang="en-US" dirty="0"/>
           </a:p>
         </p:txBody>
@@ -2183,14 +2218,30 @@
                 <a:ea typeface="+mn-ea"/>
                 <a:cs typeface="+mn-cs"/>
               </a:rPr>
-              <a:t>Designer for iOS.</a:t>
-            </a:r>
-          </a:p>
-          <a:p>
-            <a:pPr marL="171450" indent="-171450">
-              <a:buFont typeface="Arial"/>
-              <a:buChar char="•"/>
-            </a:pPr>
+              <a:t>Designer for </a:t>
+            </a:r>
+            <a:r>
+              <a:rPr lang="en-US" sz="1200" b="0" i="0" u="none" strike="noStrike" kern="1200" baseline="0" dirty="0" err="1">
+                <a:solidFill>
+                  <a:schemeClr val="tx1"/>
+                </a:solidFill>
+                <a:latin typeface="+mn-lt"/>
+                <a:ea typeface="+mn-ea"/>
+                <a:cs typeface="+mn-cs"/>
+              </a:rPr>
+              <a:t>iOS</a:t>
+            </a:r>
+            <a:r>
+              <a:rPr lang="en-US" sz="1200" b="0" i="0" u="none" strike="noStrike" kern="1200" baseline="0" dirty="0" smtClean="0">
+                <a:solidFill>
+                  <a:schemeClr val="tx1"/>
+                </a:solidFill>
+                <a:latin typeface="+mn-lt"/>
+                <a:ea typeface="+mn-ea"/>
+                <a:cs typeface="+mn-cs"/>
+              </a:rPr>
+              <a:t>.</a:t>
+            </a:r>
             <a:endParaRPr lang="en-US" sz="1200" b="0" i="0" u="none" strike="noStrike" kern="1200" baseline="0" dirty="0">
               <a:solidFill>
                 <a:schemeClr val="tx1"/>
@@ -2382,7 +2433,7 @@
               <a:t>AutoLayout</a:t>
             </a:r>
             <a:r>
-              <a:rPr lang="en-US" sz="1200" b="0" i="0" u="none" strike="noStrike" kern="1200" baseline="0" dirty="0">
+              <a:rPr lang="en-US" sz="1200" b="0" i="0" u="none" strike="noStrike" kern="1200" baseline="0" smtClean="0">
                 <a:solidFill>
                   <a:schemeClr val="tx1"/>
                 </a:solidFill>
@@ -2392,12 +2443,6 @@
               </a:rPr>
               <a:t>.</a:t>
             </a:r>
-          </a:p>
-          <a:p>
-            <a:pPr marL="171450" indent="-171450">
-              <a:buFont typeface="Arial"/>
-              <a:buChar char="•"/>
-            </a:pPr>
             <a:endParaRPr lang="en-US" altLang="ko-KR" sz="1200" b="0" i="0" u="none" strike="noStrike" kern="1200" baseline="0" dirty="0">
               <a:solidFill>
                 <a:schemeClr val="tx1"/>
@@ -9199,7 +9244,7 @@
             <a:fld id="{0459C166-16D3-4A25-A2F8-C51E0E346B22}" type="datetimeFigureOut">
               <a:rPr lang="en-US" smtClean="0"/>
               <a:pPr/>
-              <a:t>6/16/16</a:t>
+              <a:t>6/28/16</a:t>
             </a:fld>
             <a:endParaRPr lang="en-US"/>
           </a:p>
@@ -9369,7 +9414,7 @@
             <a:fld id="{0459C166-16D3-4A25-A2F8-C51E0E346B22}" type="datetimeFigureOut">
               <a:rPr lang="en-US" smtClean="0"/>
               <a:pPr/>
-              <a:t>6/16/16</a:t>
+              <a:t>6/28/16</a:t>
             </a:fld>
             <a:endParaRPr lang="en-US"/>
           </a:p>
@@ -9549,7 +9594,7 @@
             <a:fld id="{0459C166-16D3-4A25-A2F8-C51E0E346B22}" type="datetimeFigureOut">
               <a:rPr lang="en-US" smtClean="0"/>
               <a:pPr/>
-              <a:t>6/16/16</a:t>
+              <a:t>6/28/16</a:t>
             </a:fld>
             <a:endParaRPr lang="en-US"/>
           </a:p>
@@ -9766,7 +9811,7 @@
                 <a:latin typeface="Segoe UI"/>
               </a:rPr>
               <a:pPr/>
-              <a:t>6/16/16</a:t>
+              <a:t>6/28/16</a:t>
             </a:fld>
             <a:endParaRPr lang="en-US">
               <a:solidFill>
@@ -9971,7 +10016,7 @@
                 <a:latin typeface="Segoe UI"/>
               </a:rPr>
               <a:pPr/>
-              <a:t>6/16/16</a:t>
+              <a:t>6/28/16</a:t>
             </a:fld>
             <a:endParaRPr lang="en-US">
               <a:solidFill>
@@ -10269,7 +10314,7 @@
                 <a:latin typeface="Segoe UI"/>
               </a:rPr>
               <a:pPr/>
-              <a:t>6/16/16</a:t>
+              <a:t>6/28/16</a:t>
             </a:fld>
             <a:endParaRPr lang="en-US">
               <a:solidFill>
@@ -10613,7 +10658,7 @@
                 <a:latin typeface="Segoe UI"/>
               </a:rPr>
               <a:pPr/>
-              <a:t>6/16/16</a:t>
+              <a:t>6/28/16</a:t>
             </a:fld>
             <a:endParaRPr lang="en-US">
               <a:solidFill>
@@ -10988,7 +11033,7 @@
                 <a:latin typeface="Segoe UI"/>
               </a:rPr>
               <a:pPr/>
-              <a:t>6/16/16</a:t>
+              <a:t>6/28/16</a:t>
             </a:fld>
             <a:endParaRPr lang="en-US">
               <a:solidFill>
@@ -11864,7 +11909,7 @@
             <a:fld id="{0459C166-16D3-4A25-A2F8-C51E0E346B22}" type="datetimeFigureOut">
               <a:rPr lang="en-US" smtClean="0"/>
               <a:pPr/>
-              <a:t>6/16/16</a:t>
+              <a:t>6/28/16</a:t>
             </a:fld>
             <a:endParaRPr lang="en-US"/>
           </a:p>
@@ -12102,7 +12147,7 @@
                 <a:latin typeface="Segoe UI"/>
               </a:rPr>
               <a:pPr/>
-              <a:t>6/16/16</a:t>
+              <a:t>6/28/16</a:t>
             </a:fld>
             <a:endParaRPr lang="en-US">
               <a:solidFill>
@@ -12503,7 +12548,7 @@
                 <a:latin typeface="Segoe UI"/>
               </a:rPr>
               <a:pPr/>
-              <a:t>6/16/16</a:t>
+              <a:t>6/28/16</a:t>
             </a:fld>
             <a:endParaRPr lang="en-US">
               <a:solidFill>
@@ -12657,7 +12702,7 @@
                 <a:latin typeface="Segoe UI"/>
               </a:rPr>
               <a:pPr/>
-              <a:t>6/16/16</a:t>
+              <a:t>6/28/16</a:t>
             </a:fld>
             <a:endParaRPr lang="en-US">
               <a:solidFill>
@@ -12789,7 +12834,7 @@
                 <a:latin typeface="Segoe UI"/>
               </a:rPr>
               <a:pPr/>
-              <a:t>6/16/16</a:t>
+              <a:t>6/28/16</a:t>
             </a:fld>
             <a:endParaRPr lang="en-US">
               <a:solidFill>
@@ -13101,7 +13146,7 @@
                 <a:latin typeface="Segoe UI"/>
               </a:rPr>
               <a:pPr/>
-              <a:t>6/16/16</a:t>
+              <a:t>6/28/16</a:t>
             </a:fld>
             <a:endParaRPr lang="en-US">
               <a:solidFill>
@@ -13390,7 +13435,7 @@
                 <a:latin typeface="Segoe UI"/>
               </a:rPr>
               <a:pPr/>
-              <a:t>6/16/16</a:t>
+              <a:t>6/28/16</a:t>
             </a:fld>
             <a:endParaRPr lang="en-US">
               <a:solidFill>
@@ -13595,7 +13640,7 @@
                 <a:latin typeface="Segoe UI"/>
               </a:rPr>
               <a:pPr/>
-              <a:t>6/16/16</a:t>
+              <a:t>6/28/16</a:t>
             </a:fld>
             <a:endParaRPr lang="en-US">
               <a:solidFill>
@@ -13810,7 +13855,7 @@
                 <a:latin typeface="Segoe UI"/>
               </a:rPr>
               <a:pPr/>
-              <a:t>6/16/16</a:t>
+              <a:t>6/28/16</a:t>
             </a:fld>
             <a:endParaRPr lang="en-US">
               <a:solidFill>
@@ -14055,7 +14100,7 @@
                 <a:latin typeface="Segoe UI"/>
               </a:rPr>
               <a:pPr/>
-              <a:t>6/16/16</a:t>
+              <a:t>6/28/16</a:t>
             </a:fld>
             <a:endParaRPr lang="en-US">
               <a:solidFill>
@@ -14260,7 +14305,7 @@
                 <a:latin typeface="Segoe UI"/>
               </a:rPr>
               <a:pPr/>
-              <a:t>6/16/16</a:t>
+              <a:t>6/28/16</a:t>
             </a:fld>
             <a:endParaRPr lang="en-US">
               <a:solidFill>
@@ -14555,7 +14600,7 @@
             <a:fld id="{0459C166-16D3-4A25-A2F8-C51E0E346B22}" type="datetimeFigureOut">
               <a:rPr lang="en-US" smtClean="0"/>
               <a:pPr/>
-              <a:t>6/16/16</a:t>
+              <a:t>6/28/16</a:t>
             </a:fld>
             <a:endParaRPr lang="en-US"/>
           </a:p>
@@ -14843,7 +14888,7 @@
                 <a:latin typeface="Segoe UI"/>
               </a:rPr>
               <a:pPr/>
-              <a:t>6/16/16</a:t>
+              <a:t>6/28/16</a:t>
             </a:fld>
             <a:endParaRPr lang="en-US">
               <a:solidFill>
@@ -15117,7 +15162,7 @@
                 <a:latin typeface="Segoe UI"/>
               </a:rPr>
               <a:pPr/>
-              <a:t>6/16/16</a:t>
+              <a:t>6/28/16</a:t>
             </a:fld>
             <a:endParaRPr lang="en-US">
               <a:solidFill>
@@ -15518,7 +15563,7 @@
                 <a:latin typeface="Segoe UI"/>
               </a:rPr>
               <a:pPr/>
-              <a:t>6/16/16</a:t>
+              <a:t>6/28/16</a:t>
             </a:fld>
             <a:endParaRPr lang="en-US">
               <a:solidFill>
@@ -15672,7 +15717,7 @@
                 <a:latin typeface="Segoe UI"/>
               </a:rPr>
               <a:pPr/>
-              <a:t>6/16/16</a:t>
+              <a:t>6/28/16</a:t>
             </a:fld>
             <a:endParaRPr lang="en-US">
               <a:solidFill>
@@ -15804,7 +15849,7 @@
                 <a:latin typeface="Segoe UI"/>
               </a:rPr>
               <a:pPr/>
-              <a:t>6/16/16</a:t>
+              <a:t>6/28/16</a:t>
             </a:fld>
             <a:endParaRPr lang="en-US">
               <a:solidFill>
@@ -16116,7 +16161,7 @@
                 <a:latin typeface="Segoe UI"/>
               </a:rPr>
               <a:pPr/>
-              <a:t>6/16/16</a:t>
+              <a:t>6/28/16</a:t>
             </a:fld>
             <a:endParaRPr lang="en-US">
               <a:solidFill>
@@ -16405,7 +16450,7 @@
                 <a:latin typeface="Segoe UI"/>
               </a:rPr>
               <a:pPr/>
-              <a:t>6/16/16</a:t>
+              <a:t>6/28/16</a:t>
             </a:fld>
             <a:endParaRPr lang="en-US">
               <a:solidFill>
@@ -16610,7 +16655,7 @@
                 <a:latin typeface="Segoe UI"/>
               </a:rPr>
               <a:pPr/>
-              <a:t>6/16/16</a:t>
+              <a:t>6/28/16</a:t>
             </a:fld>
             <a:endParaRPr lang="en-US">
               <a:solidFill>
@@ -16825,7 +16870,7 @@
                 <a:latin typeface="Segoe UI"/>
               </a:rPr>
               <a:pPr/>
-              <a:t>6/16/16</a:t>
+              <a:t>6/28/16</a:t>
             </a:fld>
             <a:endParaRPr lang="en-US">
               <a:solidFill>
@@ -17070,7 +17115,7 @@
                 <a:latin typeface="Segoe UI"/>
               </a:rPr>
               <a:pPr/>
-              <a:t>6/16/16</a:t>
+              <a:t>6/28/16</a:t>
             </a:fld>
             <a:endParaRPr lang="en-US">
               <a:solidFill>
@@ -17329,7 +17374,7 @@
             <a:fld id="{0459C166-16D3-4A25-A2F8-C51E0E346B22}" type="datetimeFigureOut">
               <a:rPr lang="en-US" smtClean="0"/>
               <a:pPr/>
-              <a:t>6/16/16</a:t>
+              <a:t>6/28/16</a:t>
             </a:fld>
             <a:endParaRPr lang="en-US"/>
           </a:p>
@@ -17506,7 +17551,7 @@
                 <a:latin typeface="Segoe UI"/>
               </a:rPr>
               <a:pPr/>
-              <a:t>6/16/16</a:t>
+              <a:t>6/28/16</a:t>
             </a:fld>
             <a:endParaRPr lang="en-US">
               <a:solidFill>
@@ -17806,7 +17851,7 @@
                 <a:latin typeface="Segoe UI"/>
               </a:rPr>
               <a:pPr/>
-              <a:t>6/16/16</a:t>
+              <a:t>6/28/16</a:t>
             </a:fld>
             <a:endParaRPr lang="en-US">
               <a:solidFill>
@@ -18080,7 +18125,7 @@
                 <a:latin typeface="Segoe UI"/>
               </a:rPr>
               <a:pPr/>
-              <a:t>6/16/16</a:t>
+              <a:t>6/28/16</a:t>
             </a:fld>
             <a:endParaRPr lang="en-US">
               <a:solidFill>
@@ -18481,7 +18526,7 @@
                 <a:latin typeface="Segoe UI"/>
               </a:rPr>
               <a:pPr/>
-              <a:t>6/16/16</a:t>
+              <a:t>6/28/16</a:t>
             </a:fld>
             <a:endParaRPr lang="en-US">
               <a:solidFill>
@@ -18635,7 +18680,7 @@
                 <a:latin typeface="Segoe UI"/>
               </a:rPr>
               <a:pPr/>
-              <a:t>6/16/16</a:t>
+              <a:t>6/28/16</a:t>
             </a:fld>
             <a:endParaRPr lang="en-US">
               <a:solidFill>
@@ -18767,7 +18812,7 @@
                 <a:latin typeface="Segoe UI"/>
               </a:rPr>
               <a:pPr/>
-              <a:t>6/16/16</a:t>
+              <a:t>6/28/16</a:t>
             </a:fld>
             <a:endParaRPr lang="en-US">
               <a:solidFill>
@@ -19079,7 +19124,7 @@
                 <a:latin typeface="Segoe UI"/>
               </a:rPr>
               <a:pPr/>
-              <a:t>6/16/16</a:t>
+              <a:t>6/28/16</a:t>
             </a:fld>
             <a:endParaRPr lang="en-US">
               <a:solidFill>
@@ -19368,7 +19413,7 @@
                 <a:latin typeface="Segoe UI"/>
               </a:rPr>
               <a:pPr/>
-              <a:t>6/16/16</a:t>
+              <a:t>6/28/16</a:t>
             </a:fld>
             <a:endParaRPr lang="en-US">
               <a:solidFill>
@@ -19573,7 +19618,7 @@
                 <a:latin typeface="Segoe UI"/>
               </a:rPr>
               <a:pPr/>
-              <a:t>6/16/16</a:t>
+              <a:t>6/28/16</a:t>
             </a:fld>
             <a:endParaRPr lang="en-US">
               <a:solidFill>
@@ -19788,7 +19833,7 @@
                 <a:latin typeface="Segoe UI"/>
               </a:rPr>
               <a:pPr/>
-              <a:t>6/16/16</a:t>
+              <a:t>6/28/16</a:t>
             </a:fld>
             <a:endParaRPr lang="en-US">
               <a:solidFill>
@@ -20182,7 +20227,7 @@
             <a:fld id="{0459C166-16D3-4A25-A2F8-C51E0E346B22}" type="datetimeFigureOut">
               <a:rPr lang="en-US" smtClean="0"/>
               <a:pPr/>
-              <a:t>6/16/16</a:t>
+              <a:t>6/28/16</a:t>
             </a:fld>
             <a:endParaRPr lang="en-US"/>
           </a:p>
@@ -20399,7 +20444,7 @@
                 <a:latin typeface="Segoe UI"/>
               </a:rPr>
               <a:pPr/>
-              <a:t>6/16/16</a:t>
+              <a:t>6/28/16</a:t>
             </a:fld>
             <a:endParaRPr lang="en-US">
               <a:solidFill>
@@ -20604,7 +20649,7 @@
                 <a:latin typeface="Segoe UI"/>
               </a:rPr>
               <a:pPr/>
-              <a:t>6/16/16</a:t>
+              <a:t>6/28/16</a:t>
             </a:fld>
             <a:endParaRPr lang="en-US">
               <a:solidFill>
@@ -20904,7 +20949,7 @@
                 <a:latin typeface="Segoe UI"/>
               </a:rPr>
               <a:pPr/>
-              <a:t>6/16/16</a:t>
+              <a:t>6/28/16</a:t>
             </a:fld>
             <a:endParaRPr lang="en-US">
               <a:solidFill>
@@ -21178,7 +21223,7 @@
                 <a:latin typeface="Segoe UI"/>
               </a:rPr>
               <a:pPr/>
-              <a:t>6/16/16</a:t>
+              <a:t>6/28/16</a:t>
             </a:fld>
             <a:endParaRPr lang="en-US">
               <a:solidFill>
@@ -21579,7 +21624,7 @@
                 <a:latin typeface="Segoe UI"/>
               </a:rPr>
               <a:pPr/>
-              <a:t>6/16/16</a:t>
+              <a:t>6/28/16</a:t>
             </a:fld>
             <a:endParaRPr lang="en-US">
               <a:solidFill>
@@ -21733,7 +21778,7 @@
                 <a:latin typeface="Segoe UI"/>
               </a:rPr>
               <a:pPr/>
-              <a:t>6/16/16</a:t>
+              <a:t>6/28/16</a:t>
             </a:fld>
             <a:endParaRPr lang="en-US">
               <a:solidFill>
@@ -21865,7 +21910,7 @@
                 <a:latin typeface="Segoe UI"/>
               </a:rPr>
               <a:pPr/>
-              <a:t>6/16/16</a:t>
+              <a:t>6/28/16</a:t>
             </a:fld>
             <a:endParaRPr lang="en-US">
               <a:solidFill>
@@ -22177,7 +22222,7 @@
                 <a:latin typeface="Segoe UI"/>
               </a:rPr>
               <a:pPr/>
-              <a:t>6/16/16</a:t>
+              <a:t>6/28/16</a:t>
             </a:fld>
             <a:endParaRPr lang="en-US">
               <a:solidFill>
@@ -22466,7 +22511,7 @@
                 <a:latin typeface="Segoe UI"/>
               </a:rPr>
               <a:pPr/>
-              <a:t>6/16/16</a:t>
+              <a:t>6/28/16</a:t>
             </a:fld>
             <a:endParaRPr lang="en-US">
               <a:solidFill>
@@ -22671,7 +22716,7 @@
                 <a:latin typeface="Segoe UI"/>
               </a:rPr>
               <a:pPr/>
-              <a:t>6/16/16</a:t>
+              <a:t>6/28/16</a:t>
             </a:fld>
             <a:endParaRPr lang="en-US">
               <a:solidFill>
@@ -22818,7 +22863,7 @@
             <a:fld id="{0459C166-16D3-4A25-A2F8-C51E0E346B22}" type="datetimeFigureOut">
               <a:rPr lang="en-US" smtClean="0"/>
               <a:pPr/>
-              <a:t>6/16/16</a:t>
+              <a:t>6/28/16</a:t>
             </a:fld>
             <a:endParaRPr lang="en-US"/>
           </a:p>
@@ -23005,7 +23050,7 @@
                 <a:latin typeface="Segoe UI"/>
               </a:rPr>
               <a:pPr/>
-              <a:t>6/16/16</a:t>
+              <a:t>6/28/16</a:t>
             </a:fld>
             <a:endParaRPr lang="en-US">
               <a:solidFill>
@@ -23130,7 +23175,7 @@
             <a:fld id="{0459C166-16D3-4A25-A2F8-C51E0E346B22}" type="datetimeFigureOut">
               <a:rPr lang="en-US" smtClean="0"/>
               <a:pPr/>
-              <a:t>6/16/16</a:t>
+              <a:t>6/28/16</a:t>
             </a:fld>
             <a:endParaRPr lang="en-US"/>
           </a:p>
@@ -23407,7 +23452,7 @@
             <a:fld id="{0459C166-16D3-4A25-A2F8-C51E0E346B22}" type="datetimeFigureOut">
               <a:rPr lang="en-US" smtClean="0"/>
               <a:pPr/>
-              <a:t>6/16/16</a:t>
+              <a:t>6/28/16</a:t>
             </a:fld>
             <a:endParaRPr lang="en-US"/>
           </a:p>
@@ -23661,7 +23706,7 @@
             <a:fld id="{0459C166-16D3-4A25-A2F8-C51E0E346B22}" type="datetimeFigureOut">
               <a:rPr lang="en-US" smtClean="0"/>
               <a:pPr/>
-              <a:t>6/16/16</a:t>
+              <a:t>6/28/16</a:t>
             </a:fld>
             <a:endParaRPr lang="en-US"/>
           </a:p>
@@ -23874,7 +23919,7 @@
             <a:fld id="{0459C166-16D3-4A25-A2F8-C51E0E346B22}" type="datetimeFigureOut">
               <a:rPr lang="en-US" smtClean="0"/>
               <a:pPr/>
-              <a:t>6/16/16</a:t>
+              <a:t>6/28/16</a:t>
             </a:fld>
             <a:endParaRPr lang="en-US"/>
           </a:p>
@@ -24421,7 +24466,7 @@
                 <a:latin typeface="Segoe UI"/>
               </a:rPr>
               <a:pPr/>
-              <a:t>6/16/16</a:t>
+              <a:t>6/28/16</a:t>
             </a:fld>
             <a:endParaRPr lang="en-US">
               <a:solidFill>
@@ -25001,7 +25046,7 @@
                 <a:latin typeface="Segoe UI"/>
               </a:rPr>
               <a:pPr/>
-              <a:t>6/16/16</a:t>
+              <a:t>6/28/16</a:t>
             </a:fld>
             <a:endParaRPr lang="en-US">
               <a:solidFill>
@@ -25576,7 +25621,7 @@
                 <a:latin typeface="Segoe UI"/>
               </a:rPr>
               <a:pPr/>
-              <a:t>6/16/16</a:t>
+              <a:t>6/28/16</a:t>
             </a:fld>
             <a:endParaRPr lang="en-US">
               <a:solidFill>
@@ -26151,7 +26196,7 @@
                 <a:latin typeface="Segoe UI"/>
               </a:rPr>
               <a:pPr/>
-              <a:t>6/16/16</a:t>
+              <a:t>6/28/16</a:t>
             </a:fld>
             <a:endParaRPr lang="en-US">
               <a:solidFill>
@@ -29923,14 +29968,14 @@
                 <a:gridCol w="4786355">
                   <a:extLst>
                     <a:ext uri="{9D8B030D-6E8A-4147-A177-3AD203B41FA5}">
-                      <a16:colId xmlns="" xmlns:a16="http://schemas.microsoft.com/office/drawing/2014/main" val="48614039"/>
+                      <a16:colId xmlns:a16="http://schemas.microsoft.com/office/drawing/2014/main" xmlns="" val="48614039"/>
                     </a:ext>
                   </a:extLst>
                 </a:gridCol>
                 <a:gridCol w="5662501">
                   <a:extLst>
                     <a:ext uri="{9D8B030D-6E8A-4147-A177-3AD203B41FA5}">
-                      <a16:colId xmlns="" xmlns:a16="http://schemas.microsoft.com/office/drawing/2014/main" val="1124546490"/>
+                      <a16:colId xmlns:a16="http://schemas.microsoft.com/office/drawing/2014/main" xmlns="" val="1124546490"/>
                     </a:ext>
                   </a:extLst>
                 </a:gridCol>
@@ -29982,7 +30027,7 @@
                 </a:tc>
                 <a:extLst>
                   <a:ext uri="{0D108BD9-81ED-4DB2-BD59-A6C34878D82A}">
-                    <a16:rowId xmlns="" xmlns:a16="http://schemas.microsoft.com/office/drawing/2014/main" val="679667022"/>
+                    <a16:rowId xmlns:a16="http://schemas.microsoft.com/office/drawing/2014/main" xmlns="" val="679667022"/>
                   </a:ext>
                 </a:extLst>
               </a:tr>
@@ -30047,7 +30092,7 @@
                 </a:tc>
                 <a:extLst>
                   <a:ext uri="{0D108BD9-81ED-4DB2-BD59-A6C34878D82A}">
-                    <a16:rowId xmlns="" xmlns:a16="http://schemas.microsoft.com/office/drawing/2014/main" val="2034482246"/>
+                    <a16:rowId xmlns:a16="http://schemas.microsoft.com/office/drawing/2014/main" xmlns="" val="2034482246"/>
                   </a:ext>
                 </a:extLst>
               </a:tr>
@@ -30133,7 +30178,7 @@
                 </a:tc>
                 <a:extLst>
                   <a:ext uri="{0D108BD9-81ED-4DB2-BD59-A6C34878D82A}">
-                    <a16:rowId xmlns="" xmlns:a16="http://schemas.microsoft.com/office/drawing/2014/main" val="682465758"/>
+                    <a16:rowId xmlns:a16="http://schemas.microsoft.com/office/drawing/2014/main" xmlns="" val="682465758"/>
                   </a:ext>
                 </a:extLst>
               </a:tr>
@@ -30196,7 +30241,7 @@
                 </a:tc>
                 <a:extLst>
                   <a:ext uri="{0D108BD9-81ED-4DB2-BD59-A6C34878D82A}">
-                    <a16:rowId xmlns="" xmlns:a16="http://schemas.microsoft.com/office/drawing/2014/main" val="4230228483"/>
+                    <a16:rowId xmlns:a16="http://schemas.microsoft.com/office/drawing/2014/main" xmlns="" val="4230228483"/>
                   </a:ext>
                 </a:extLst>
               </a:tr>
@@ -40736,7 +40781,7 @@
   <a:extraClrSchemeLst/>
   <a:extLst>
     <a:ext uri="{05A4C25C-085E-4340-85A3-A5531E510DB2}">
-      <thm15:themeFamily xmlns="" xmlns:thm15="http://schemas.microsoft.com/office/thememl/2012/main" name="Office Theme" id="{62F939B6-93AF-4DB8-9C6B-D6C7DFDC589F}" vid="{4A3C46E8-61CC-4603-A589-7422A47A8E4A}"/>
+      <thm15:themeFamily xmlns:thm15="http://schemas.microsoft.com/office/thememl/2012/main" xmlns="" name="Office Theme" id="{62F939B6-93AF-4DB8-9C6B-D6C7DFDC589F}" vid="{4A3C46E8-61CC-4603-A589-7422A47A8E4A}"/>
     </a:ext>
   </a:extLst>
 </a:theme>
@@ -41005,7 +41050,7 @@
   <a:extraClrSchemeLst/>
   <a:extLst>
     <a:ext uri="{05A4C25C-085E-4340-85A3-A5531E510DB2}">
-      <thm15:themeFamily xmlns="" xmlns:thm15="http://schemas.microsoft.com/office/thememl/2012/main" name="Office Theme" id="{62F939B6-93AF-4DB8-9C6B-D6C7DFDC589F}" vid="{4A3C46E8-61CC-4603-A589-7422A47A8E4A}"/>
+      <thm15:themeFamily xmlns:thm15="http://schemas.microsoft.com/office/thememl/2012/main" xmlns="" name="Office Theme" id="{62F939B6-93AF-4DB8-9C6B-D6C7DFDC589F}" vid="{4A3C46E8-61CC-4603-A589-7422A47A8E4A}"/>
     </a:ext>
   </a:extLst>
 </a:theme>
@@ -41206,7 +41251,7 @@
   <a:extraClrSchemeLst/>
   <a:extLst>
     <a:ext uri="{05A4C25C-085E-4340-85A3-A5531E510DB2}">
-      <thm15:themeFamily xmlns="" xmlns:thm15="http://schemas.microsoft.com/office/thememl/2012/main" name="Office Theme" id="{62F939B6-93AF-4DB8-9C6B-D6C7DFDC589F}" vid="{4A3C46E8-61CC-4603-A589-7422A47A8E4A}"/>
+      <thm15:themeFamily xmlns:thm15="http://schemas.microsoft.com/office/thememl/2012/main" xmlns="" name="Office Theme" id="{62F939B6-93AF-4DB8-9C6B-D6C7DFDC589F}" vid="{4A3C46E8-61CC-4603-A589-7422A47A8E4A}"/>
     </a:ext>
   </a:extLst>
 </a:theme>
@@ -41407,7 +41452,7 @@
   <a:extraClrSchemeLst/>
   <a:extLst>
     <a:ext uri="{05A4C25C-085E-4340-85A3-A5531E510DB2}">
-      <thm15:themeFamily xmlns="" xmlns:thm15="http://schemas.microsoft.com/office/thememl/2012/main" name="Office Theme" id="{62F939B6-93AF-4DB8-9C6B-D6C7DFDC589F}" vid="{4A3C46E8-61CC-4603-A589-7422A47A8E4A}"/>
+      <thm15:themeFamily xmlns:thm15="http://schemas.microsoft.com/office/thememl/2012/main" xmlns="" name="Office Theme" id="{62F939B6-93AF-4DB8-9C6B-D6C7DFDC589F}" vid="{4A3C46E8-61CC-4603-A589-7422A47A8E4A}"/>
     </a:ext>
   </a:extLst>
 </a:theme>
@@ -41608,7 +41653,7 @@
   <a:extraClrSchemeLst/>
   <a:extLst>
     <a:ext uri="{05A4C25C-085E-4340-85A3-A5531E510DB2}">
-      <thm15:themeFamily xmlns="" xmlns:thm15="http://schemas.microsoft.com/office/thememl/2012/main" name="Office Theme" id="{62F939B6-93AF-4DB8-9C6B-D6C7DFDC589F}" vid="{4A3C46E8-61CC-4603-A589-7422A47A8E4A}"/>
+      <thm15:themeFamily xmlns:thm15="http://schemas.microsoft.com/office/thememl/2012/main" xmlns="" name="Office Theme" id="{62F939B6-93AF-4DB8-9C6B-D6C7DFDC589F}" vid="{4A3C46E8-61CC-4603-A589-7422A47A8E4A}"/>
     </a:ext>
   </a:extLst>
 </a:theme>
@@ -41903,7 +41948,7 @@
   <a:extraClrSchemeLst/>
   <a:extLst>
     <a:ext uri="{05A4C25C-085E-4340-85A3-A5531E510DB2}">
-      <thm15:themeFamily xmlns="" xmlns:thm15="http://schemas.microsoft.com/office/thememl/2012/main" name="Office Theme" id="{62F939B6-93AF-4DB8-9C6B-D6C7DFDC589F}" vid="{4A3C46E8-61CC-4603-A589-7422A47A8E4A}"/>
+      <thm15:themeFamily xmlns:thm15="http://schemas.microsoft.com/office/thememl/2012/main" xmlns="" name="Office Theme" id="{62F939B6-93AF-4DB8-9C6B-D6C7DFDC589F}" vid="{4A3C46E8-61CC-4603-A589-7422A47A8E4A}"/>
     </a:ext>
   </a:extLst>
 </a:theme>
